--- a/선물옵션/1주차 금융상품_신창용.pptx
+++ b/선물옵션/1주차 금융상품_신창용.pptx
@@ -241,7 +241,7 @@
           <a:p>
             <a:fld id="{1DDFDF6D-FD8F-470F-8861-4F8EAD22568E}" type="datetimeFigureOut">
               <a:rPr lang="ko-KR" altLang="en-US" smtClean="0"/>
-              <a:t>2021-01-20</a:t>
+              <a:t>2021-02-24</a:t>
             </a:fld>
             <a:endParaRPr lang="ko-KR" altLang="en-US"/>
           </a:p>
@@ -774,7 +774,7 @@
           <a:p>
             <a:fld id="{A8408EE2-1F86-4AF5-92C4-AD6BAABB6D03}" type="datetimeFigureOut">
               <a:rPr lang="ko-KR" altLang="en-US" smtClean="0"/>
-              <a:t>2021-01-20</a:t>
+              <a:t>2021-02-24</a:t>
             </a:fld>
             <a:endParaRPr lang="ko-KR" altLang="en-US"/>
           </a:p>
@@ -944,7 +944,7 @@
           <a:p>
             <a:fld id="{A8408EE2-1F86-4AF5-92C4-AD6BAABB6D03}" type="datetimeFigureOut">
               <a:rPr lang="ko-KR" altLang="en-US" smtClean="0"/>
-              <a:t>2021-01-20</a:t>
+              <a:t>2021-02-24</a:t>
             </a:fld>
             <a:endParaRPr lang="ko-KR" altLang="en-US"/>
           </a:p>
@@ -1124,7 +1124,7 @@
           <a:p>
             <a:fld id="{A8408EE2-1F86-4AF5-92C4-AD6BAABB6D03}" type="datetimeFigureOut">
               <a:rPr lang="ko-KR" altLang="en-US" smtClean="0"/>
-              <a:t>2021-01-20</a:t>
+              <a:t>2021-02-24</a:t>
             </a:fld>
             <a:endParaRPr lang="ko-KR" altLang="en-US"/>
           </a:p>
@@ -1294,7 +1294,7 @@
           <a:p>
             <a:fld id="{A8408EE2-1F86-4AF5-92C4-AD6BAABB6D03}" type="datetimeFigureOut">
               <a:rPr lang="ko-KR" altLang="en-US" smtClean="0"/>
-              <a:t>2021-01-20</a:t>
+              <a:t>2021-02-24</a:t>
             </a:fld>
             <a:endParaRPr lang="ko-KR" altLang="en-US"/>
           </a:p>
@@ -1540,7 +1540,7 @@
           <a:p>
             <a:fld id="{A8408EE2-1F86-4AF5-92C4-AD6BAABB6D03}" type="datetimeFigureOut">
               <a:rPr lang="ko-KR" altLang="en-US" smtClean="0"/>
-              <a:t>2021-01-20</a:t>
+              <a:t>2021-02-24</a:t>
             </a:fld>
             <a:endParaRPr lang="ko-KR" altLang="en-US"/>
           </a:p>
@@ -1828,7 +1828,7 @@
           <a:p>
             <a:fld id="{A8408EE2-1F86-4AF5-92C4-AD6BAABB6D03}" type="datetimeFigureOut">
               <a:rPr lang="ko-KR" altLang="en-US" smtClean="0"/>
-              <a:t>2021-01-20</a:t>
+              <a:t>2021-02-24</a:t>
             </a:fld>
             <a:endParaRPr lang="ko-KR" altLang="en-US"/>
           </a:p>
@@ -2250,7 +2250,7 @@
           <a:p>
             <a:fld id="{A8408EE2-1F86-4AF5-92C4-AD6BAABB6D03}" type="datetimeFigureOut">
               <a:rPr lang="ko-KR" altLang="en-US" smtClean="0"/>
-              <a:t>2021-01-20</a:t>
+              <a:t>2021-02-24</a:t>
             </a:fld>
             <a:endParaRPr lang="ko-KR" altLang="en-US"/>
           </a:p>
@@ -2368,7 +2368,7 @@
           <a:p>
             <a:fld id="{A8408EE2-1F86-4AF5-92C4-AD6BAABB6D03}" type="datetimeFigureOut">
               <a:rPr lang="ko-KR" altLang="en-US" smtClean="0"/>
-              <a:t>2021-01-20</a:t>
+              <a:t>2021-02-24</a:t>
             </a:fld>
             <a:endParaRPr lang="ko-KR" altLang="en-US"/>
           </a:p>
@@ -2463,7 +2463,7 @@
           <a:p>
             <a:fld id="{A8408EE2-1F86-4AF5-92C4-AD6BAABB6D03}" type="datetimeFigureOut">
               <a:rPr lang="ko-KR" altLang="en-US" smtClean="0"/>
-              <a:t>2021-01-20</a:t>
+              <a:t>2021-02-24</a:t>
             </a:fld>
             <a:endParaRPr lang="ko-KR" altLang="en-US"/>
           </a:p>
@@ -2740,7 +2740,7 @@
           <a:p>
             <a:fld id="{A8408EE2-1F86-4AF5-92C4-AD6BAABB6D03}" type="datetimeFigureOut">
               <a:rPr lang="ko-KR" altLang="en-US" smtClean="0"/>
-              <a:t>2021-01-20</a:t>
+              <a:t>2021-02-24</a:t>
             </a:fld>
             <a:endParaRPr lang="ko-KR" altLang="en-US"/>
           </a:p>
@@ -2993,7 +2993,7 @@
           <a:p>
             <a:fld id="{A8408EE2-1F86-4AF5-92C4-AD6BAABB6D03}" type="datetimeFigureOut">
               <a:rPr lang="ko-KR" altLang="en-US" smtClean="0"/>
-              <a:t>2021-01-20</a:t>
+              <a:t>2021-02-24</a:t>
             </a:fld>
             <a:endParaRPr lang="ko-KR" altLang="en-US"/>
           </a:p>
@@ -3206,7 +3206,7 @@
           <a:p>
             <a:fld id="{A8408EE2-1F86-4AF5-92C4-AD6BAABB6D03}" type="datetimeFigureOut">
               <a:rPr lang="ko-KR" altLang="en-US" smtClean="0"/>
-              <a:t>2021-01-20</a:t>
+              <a:t>2021-02-24</a:t>
             </a:fld>
             <a:endParaRPr lang="ko-KR" altLang="en-US"/>
           </a:p>
@@ -4046,6 +4046,36 @@
           </a:p>
         </p:txBody>
       </p:sp>
+      <p:cxnSp>
+        <p:nvCxnSpPr>
+          <p:cNvPr id="5" name="직선 연결선 4"/>
+          <p:cNvCxnSpPr/>
+          <p:nvPr/>
+        </p:nvCxnSpPr>
+        <p:spPr>
+          <a:xfrm>
+            <a:off x="107504" y="1124744"/>
+            <a:ext cx="8784976" cy="0"/>
+          </a:xfrm>
+          <a:prstGeom prst="line">
+            <a:avLst/>
+          </a:prstGeom>
+        </p:spPr>
+        <p:style>
+          <a:lnRef idx="1">
+            <a:schemeClr val="accent2"/>
+          </a:lnRef>
+          <a:fillRef idx="0">
+            <a:schemeClr val="accent2"/>
+          </a:fillRef>
+          <a:effectRef idx="0">
+            <a:schemeClr val="accent2"/>
+          </a:effectRef>
+          <a:fontRef idx="minor">
+            <a:schemeClr val="tx1"/>
+          </a:fontRef>
+        </p:style>
+      </p:cxnSp>
     </p:spTree>
     <p:extLst>
       <p:ext uri="{BB962C8B-B14F-4D97-AF65-F5344CB8AC3E}">
@@ -4414,6 +4444,36 @@
           </a:p>
         </p:txBody>
       </p:sp>
+      <p:cxnSp>
+        <p:nvCxnSpPr>
+          <p:cNvPr id="5" name="직선 연결선 4"/>
+          <p:cNvCxnSpPr/>
+          <p:nvPr/>
+        </p:nvCxnSpPr>
+        <p:spPr>
+          <a:xfrm>
+            <a:off x="107504" y="1124744"/>
+            <a:ext cx="8784976" cy="0"/>
+          </a:xfrm>
+          <a:prstGeom prst="line">
+            <a:avLst/>
+          </a:prstGeom>
+        </p:spPr>
+        <p:style>
+          <a:lnRef idx="1">
+            <a:schemeClr val="accent2"/>
+          </a:lnRef>
+          <a:fillRef idx="0">
+            <a:schemeClr val="accent2"/>
+          </a:fillRef>
+          <a:effectRef idx="0">
+            <a:schemeClr val="accent2"/>
+          </a:effectRef>
+          <a:fontRef idx="minor">
+            <a:schemeClr val="tx1"/>
+          </a:fontRef>
+        </p:style>
+      </p:cxnSp>
     </p:spTree>
     <p:extLst>
       <p:ext uri="{BB962C8B-B14F-4D97-AF65-F5344CB8AC3E}">
@@ -4649,6 +4709,36 @@
           </a:p>
         </p:txBody>
       </p:sp>
+      <p:cxnSp>
+        <p:nvCxnSpPr>
+          <p:cNvPr id="5" name="직선 연결선 4"/>
+          <p:cNvCxnSpPr/>
+          <p:nvPr/>
+        </p:nvCxnSpPr>
+        <p:spPr>
+          <a:xfrm>
+            <a:off x="107504" y="1124744"/>
+            <a:ext cx="8784976" cy="0"/>
+          </a:xfrm>
+          <a:prstGeom prst="line">
+            <a:avLst/>
+          </a:prstGeom>
+        </p:spPr>
+        <p:style>
+          <a:lnRef idx="1">
+            <a:schemeClr val="accent2"/>
+          </a:lnRef>
+          <a:fillRef idx="0">
+            <a:schemeClr val="accent2"/>
+          </a:fillRef>
+          <a:effectRef idx="0">
+            <a:schemeClr val="accent2"/>
+          </a:effectRef>
+          <a:fontRef idx="minor">
+            <a:schemeClr val="tx1"/>
+          </a:fontRef>
+        </p:style>
+      </p:cxnSp>
     </p:spTree>
     <p:extLst>
       <p:ext uri="{BB962C8B-B14F-4D97-AF65-F5344CB8AC3E}">
@@ -6657,6 +6747,36 @@
           </a:p>
         </p:txBody>
       </p:sp>
+      <p:cxnSp>
+        <p:nvCxnSpPr>
+          <p:cNvPr id="20" name="직선 연결선 19"/>
+          <p:cNvCxnSpPr/>
+          <p:nvPr/>
+        </p:nvCxnSpPr>
+        <p:spPr>
+          <a:xfrm>
+            <a:off x="107504" y="1124744"/>
+            <a:ext cx="8784976" cy="0"/>
+          </a:xfrm>
+          <a:prstGeom prst="line">
+            <a:avLst/>
+          </a:prstGeom>
+        </p:spPr>
+        <p:style>
+          <a:lnRef idx="1">
+            <a:schemeClr val="accent2"/>
+          </a:lnRef>
+          <a:fillRef idx="0">
+            <a:schemeClr val="accent2"/>
+          </a:fillRef>
+          <a:effectRef idx="0">
+            <a:schemeClr val="accent2"/>
+          </a:effectRef>
+          <a:fontRef idx="minor">
+            <a:schemeClr val="tx1"/>
+          </a:fontRef>
+        </p:style>
+      </p:cxnSp>
     </p:spTree>
     <p:extLst>
       <p:ext uri="{BB962C8B-B14F-4D97-AF65-F5344CB8AC3E}">
@@ -6800,6 +6920,36 @@
           </a:extLst>
         </p:spPr>
       </p:pic>
+      <p:cxnSp>
+        <p:nvCxnSpPr>
+          <p:cNvPr id="4" name="직선 연결선 3"/>
+          <p:cNvCxnSpPr/>
+          <p:nvPr/>
+        </p:nvCxnSpPr>
+        <p:spPr>
+          <a:xfrm>
+            <a:off x="107504" y="1124744"/>
+            <a:ext cx="8784976" cy="0"/>
+          </a:xfrm>
+          <a:prstGeom prst="line">
+            <a:avLst/>
+          </a:prstGeom>
+        </p:spPr>
+        <p:style>
+          <a:lnRef idx="1">
+            <a:schemeClr val="accent2"/>
+          </a:lnRef>
+          <a:fillRef idx="0">
+            <a:schemeClr val="accent2"/>
+          </a:fillRef>
+          <a:effectRef idx="0">
+            <a:schemeClr val="accent2"/>
+          </a:effectRef>
+          <a:fontRef idx="minor">
+            <a:schemeClr val="tx1"/>
+          </a:fontRef>
+        </p:style>
+      </p:cxnSp>
     </p:spTree>
     <p:extLst>
       <p:ext uri="{BB962C8B-B14F-4D97-AF65-F5344CB8AC3E}">
@@ -7008,6 +7158,36 @@
           </a:p>
         </p:txBody>
       </p:sp>
+      <p:cxnSp>
+        <p:nvCxnSpPr>
+          <p:cNvPr id="5" name="직선 연결선 4"/>
+          <p:cNvCxnSpPr/>
+          <p:nvPr/>
+        </p:nvCxnSpPr>
+        <p:spPr>
+          <a:xfrm>
+            <a:off x="107504" y="1124744"/>
+            <a:ext cx="8784976" cy="0"/>
+          </a:xfrm>
+          <a:prstGeom prst="line">
+            <a:avLst/>
+          </a:prstGeom>
+        </p:spPr>
+        <p:style>
+          <a:lnRef idx="1">
+            <a:schemeClr val="accent2"/>
+          </a:lnRef>
+          <a:fillRef idx="0">
+            <a:schemeClr val="accent2"/>
+          </a:fillRef>
+          <a:effectRef idx="0">
+            <a:schemeClr val="accent2"/>
+          </a:effectRef>
+          <a:fontRef idx="minor">
+            <a:schemeClr val="tx1"/>
+          </a:fontRef>
+        </p:style>
+      </p:cxnSp>
     </p:spTree>
     <p:extLst>
       <p:ext uri="{BB962C8B-B14F-4D97-AF65-F5344CB8AC3E}">
@@ -10431,6 +10611,36 @@
           </p:txBody>
         </p:sp>
       </p:grpSp>
+      <p:cxnSp>
+        <p:nvCxnSpPr>
+          <p:cNvPr id="25" name="직선 연결선 24"/>
+          <p:cNvCxnSpPr/>
+          <p:nvPr/>
+        </p:nvCxnSpPr>
+        <p:spPr>
+          <a:xfrm>
+            <a:off x="107504" y="1124744"/>
+            <a:ext cx="8784976" cy="0"/>
+          </a:xfrm>
+          <a:prstGeom prst="line">
+            <a:avLst/>
+          </a:prstGeom>
+        </p:spPr>
+        <p:style>
+          <a:lnRef idx="1">
+            <a:schemeClr val="accent2"/>
+          </a:lnRef>
+          <a:fillRef idx="0">
+            <a:schemeClr val="accent2"/>
+          </a:fillRef>
+          <a:effectRef idx="0">
+            <a:schemeClr val="accent2"/>
+          </a:effectRef>
+          <a:fontRef idx="minor">
+            <a:schemeClr val="tx1"/>
+          </a:fontRef>
+        </p:style>
+      </p:cxnSp>
     </p:spTree>
     <p:extLst>
       <p:ext uri="{BB962C8B-B14F-4D97-AF65-F5344CB8AC3E}">
@@ -10540,6 +10750,36 @@
           </a:extLst>
         </p:spPr>
       </p:pic>
+      <p:cxnSp>
+        <p:nvCxnSpPr>
+          <p:cNvPr id="4" name="직선 연결선 3"/>
+          <p:cNvCxnSpPr/>
+          <p:nvPr/>
+        </p:nvCxnSpPr>
+        <p:spPr>
+          <a:xfrm>
+            <a:off x="107504" y="1124744"/>
+            <a:ext cx="8784976" cy="0"/>
+          </a:xfrm>
+          <a:prstGeom prst="line">
+            <a:avLst/>
+          </a:prstGeom>
+        </p:spPr>
+        <p:style>
+          <a:lnRef idx="1">
+            <a:schemeClr val="accent2"/>
+          </a:lnRef>
+          <a:fillRef idx="0">
+            <a:schemeClr val="accent2"/>
+          </a:fillRef>
+          <a:effectRef idx="0">
+            <a:schemeClr val="accent2"/>
+          </a:effectRef>
+          <a:fontRef idx="minor">
+            <a:schemeClr val="tx1"/>
+          </a:fontRef>
+        </p:style>
+      </p:cxnSp>
     </p:spTree>
     <p:extLst>
       <p:ext uri="{BB962C8B-B14F-4D97-AF65-F5344CB8AC3E}">
@@ -14157,6 +14397,36 @@
           </a:p>
         </p:txBody>
       </p:sp>
+      <p:cxnSp>
+        <p:nvCxnSpPr>
+          <p:cNvPr id="25" name="직선 연결선 24"/>
+          <p:cNvCxnSpPr/>
+          <p:nvPr/>
+        </p:nvCxnSpPr>
+        <p:spPr>
+          <a:xfrm>
+            <a:off x="107504" y="1124744"/>
+            <a:ext cx="8784976" cy="0"/>
+          </a:xfrm>
+          <a:prstGeom prst="line">
+            <a:avLst/>
+          </a:prstGeom>
+        </p:spPr>
+        <p:style>
+          <a:lnRef idx="1">
+            <a:schemeClr val="accent2"/>
+          </a:lnRef>
+          <a:fillRef idx="0">
+            <a:schemeClr val="accent2"/>
+          </a:fillRef>
+          <a:effectRef idx="0">
+            <a:schemeClr val="accent2"/>
+          </a:effectRef>
+          <a:fontRef idx="minor">
+            <a:schemeClr val="tx1"/>
+          </a:fontRef>
+        </p:style>
+      </p:cxnSp>
     </p:spTree>
     <p:extLst>
       <p:ext uri="{BB962C8B-B14F-4D97-AF65-F5344CB8AC3E}">
@@ -19428,6 +19698,36 @@
           </a:p>
         </p:txBody>
       </p:sp>
+      <p:cxnSp>
+        <p:nvCxnSpPr>
+          <p:cNvPr id="25" name="직선 연결선 24"/>
+          <p:cNvCxnSpPr/>
+          <p:nvPr/>
+        </p:nvCxnSpPr>
+        <p:spPr>
+          <a:xfrm>
+            <a:off x="107504" y="1124744"/>
+            <a:ext cx="8784976" cy="0"/>
+          </a:xfrm>
+          <a:prstGeom prst="line">
+            <a:avLst/>
+          </a:prstGeom>
+        </p:spPr>
+        <p:style>
+          <a:lnRef idx="1">
+            <a:schemeClr val="accent2"/>
+          </a:lnRef>
+          <a:fillRef idx="0">
+            <a:schemeClr val="accent2"/>
+          </a:fillRef>
+          <a:effectRef idx="0">
+            <a:schemeClr val="accent2"/>
+          </a:effectRef>
+          <a:fontRef idx="minor">
+            <a:schemeClr val="tx1"/>
+          </a:fontRef>
+        </p:style>
+      </p:cxnSp>
     </p:spTree>
     <p:extLst>
       <p:ext uri="{BB962C8B-B14F-4D97-AF65-F5344CB8AC3E}">
@@ -19758,6 +20058,36 @@
           </a:p>
         </p:txBody>
       </p:sp>
+      <p:cxnSp>
+        <p:nvCxnSpPr>
+          <p:cNvPr id="4" name="직선 연결선 3"/>
+          <p:cNvCxnSpPr/>
+          <p:nvPr/>
+        </p:nvCxnSpPr>
+        <p:spPr>
+          <a:xfrm>
+            <a:off x="107504" y="1124744"/>
+            <a:ext cx="8784976" cy="0"/>
+          </a:xfrm>
+          <a:prstGeom prst="line">
+            <a:avLst/>
+          </a:prstGeom>
+        </p:spPr>
+        <p:style>
+          <a:lnRef idx="1">
+            <a:schemeClr val="accent2"/>
+          </a:lnRef>
+          <a:fillRef idx="0">
+            <a:schemeClr val="accent2"/>
+          </a:fillRef>
+          <a:effectRef idx="0">
+            <a:schemeClr val="accent2"/>
+          </a:effectRef>
+          <a:fontRef idx="minor">
+            <a:schemeClr val="tx1"/>
+          </a:fontRef>
+        </p:style>
+      </p:cxnSp>
     </p:spTree>
     <p:extLst>
       <p:ext uri="{BB962C8B-B14F-4D97-AF65-F5344CB8AC3E}">
@@ -20050,6 +20380,36 @@
           </a:p>
         </p:txBody>
       </p:sp>
+      <p:cxnSp>
+        <p:nvCxnSpPr>
+          <p:cNvPr id="4" name="직선 연결선 3"/>
+          <p:cNvCxnSpPr/>
+          <p:nvPr/>
+        </p:nvCxnSpPr>
+        <p:spPr>
+          <a:xfrm>
+            <a:off x="107504" y="1124744"/>
+            <a:ext cx="8784976" cy="0"/>
+          </a:xfrm>
+          <a:prstGeom prst="line">
+            <a:avLst/>
+          </a:prstGeom>
+        </p:spPr>
+        <p:style>
+          <a:lnRef idx="1">
+            <a:schemeClr val="accent2"/>
+          </a:lnRef>
+          <a:fillRef idx="0">
+            <a:schemeClr val="accent2"/>
+          </a:fillRef>
+          <a:effectRef idx="0">
+            <a:schemeClr val="accent2"/>
+          </a:effectRef>
+          <a:fontRef idx="minor">
+            <a:schemeClr val="tx1"/>
+          </a:fontRef>
+        </p:style>
+      </p:cxnSp>
     </p:spTree>
     <p:extLst>
       <p:ext uri="{BB962C8B-B14F-4D97-AF65-F5344CB8AC3E}">
@@ -20354,6 +20714,36 @@
           </a:p>
         </p:txBody>
       </p:sp>
+      <p:cxnSp>
+        <p:nvCxnSpPr>
+          <p:cNvPr id="4" name="직선 연결선 3"/>
+          <p:cNvCxnSpPr/>
+          <p:nvPr/>
+        </p:nvCxnSpPr>
+        <p:spPr>
+          <a:xfrm>
+            <a:off x="107504" y="1124744"/>
+            <a:ext cx="8784976" cy="0"/>
+          </a:xfrm>
+          <a:prstGeom prst="line">
+            <a:avLst/>
+          </a:prstGeom>
+        </p:spPr>
+        <p:style>
+          <a:lnRef idx="1">
+            <a:schemeClr val="accent2"/>
+          </a:lnRef>
+          <a:fillRef idx="0">
+            <a:schemeClr val="accent2"/>
+          </a:fillRef>
+          <a:effectRef idx="0">
+            <a:schemeClr val="accent2"/>
+          </a:effectRef>
+          <a:fontRef idx="minor">
+            <a:schemeClr val="tx1"/>
+          </a:fontRef>
+        </p:style>
+      </p:cxnSp>
     </p:spTree>
     <p:extLst>
       <p:ext uri="{BB962C8B-B14F-4D97-AF65-F5344CB8AC3E}">
@@ -20729,6 +21119,36 @@
           </a:p>
         </p:txBody>
       </p:sp>
+      <p:cxnSp>
+        <p:nvCxnSpPr>
+          <p:cNvPr id="6" name="직선 연결선 5"/>
+          <p:cNvCxnSpPr/>
+          <p:nvPr/>
+        </p:nvCxnSpPr>
+        <p:spPr>
+          <a:xfrm>
+            <a:off x="107504" y="1124744"/>
+            <a:ext cx="8784976" cy="0"/>
+          </a:xfrm>
+          <a:prstGeom prst="line">
+            <a:avLst/>
+          </a:prstGeom>
+        </p:spPr>
+        <p:style>
+          <a:lnRef idx="1">
+            <a:schemeClr val="accent2"/>
+          </a:lnRef>
+          <a:fillRef idx="0">
+            <a:schemeClr val="accent2"/>
+          </a:fillRef>
+          <a:effectRef idx="0">
+            <a:schemeClr val="accent2"/>
+          </a:effectRef>
+          <a:fontRef idx="minor">
+            <a:schemeClr val="tx1"/>
+          </a:fontRef>
+        </p:style>
+      </p:cxnSp>
     </p:spTree>
     <p:extLst>
       <p:ext uri="{BB962C8B-B14F-4D97-AF65-F5344CB8AC3E}">
@@ -21025,6 +21445,36 @@
           </a:extLst>
         </p:spPr>
       </p:pic>
+      <p:cxnSp>
+        <p:nvCxnSpPr>
+          <p:cNvPr id="6" name="직선 연결선 5"/>
+          <p:cNvCxnSpPr/>
+          <p:nvPr/>
+        </p:nvCxnSpPr>
+        <p:spPr>
+          <a:xfrm>
+            <a:off x="107504" y="1124744"/>
+            <a:ext cx="8784976" cy="0"/>
+          </a:xfrm>
+          <a:prstGeom prst="line">
+            <a:avLst/>
+          </a:prstGeom>
+        </p:spPr>
+        <p:style>
+          <a:lnRef idx="1">
+            <a:schemeClr val="accent2"/>
+          </a:lnRef>
+          <a:fillRef idx="0">
+            <a:schemeClr val="accent2"/>
+          </a:fillRef>
+          <a:effectRef idx="0">
+            <a:schemeClr val="accent2"/>
+          </a:effectRef>
+          <a:fontRef idx="minor">
+            <a:schemeClr val="tx1"/>
+          </a:fontRef>
+        </p:style>
+      </p:cxnSp>
     </p:spTree>
     <p:extLst>
       <p:ext uri="{BB962C8B-B14F-4D97-AF65-F5344CB8AC3E}">
@@ -21147,6 +21597,36 @@
           </a:extLst>
         </p:spPr>
       </p:pic>
+      <p:cxnSp>
+        <p:nvCxnSpPr>
+          <p:cNvPr id="5" name="직선 연결선 4"/>
+          <p:cNvCxnSpPr/>
+          <p:nvPr/>
+        </p:nvCxnSpPr>
+        <p:spPr>
+          <a:xfrm>
+            <a:off x="107504" y="1124744"/>
+            <a:ext cx="8784976" cy="0"/>
+          </a:xfrm>
+          <a:prstGeom prst="line">
+            <a:avLst/>
+          </a:prstGeom>
+        </p:spPr>
+        <p:style>
+          <a:lnRef idx="1">
+            <a:schemeClr val="accent2"/>
+          </a:lnRef>
+          <a:fillRef idx="0">
+            <a:schemeClr val="accent2"/>
+          </a:fillRef>
+          <a:effectRef idx="0">
+            <a:schemeClr val="accent2"/>
+          </a:effectRef>
+          <a:fontRef idx="minor">
+            <a:schemeClr val="tx1"/>
+          </a:fontRef>
+        </p:style>
+      </p:cxnSp>
     </p:spTree>
     <p:extLst>
       <p:ext uri="{BB962C8B-B14F-4D97-AF65-F5344CB8AC3E}">
@@ -21487,6 +21967,36 @@
           </a:p>
         </p:txBody>
       </p:sp>
+      <p:cxnSp>
+        <p:nvCxnSpPr>
+          <p:cNvPr id="4" name="직선 연결선 3"/>
+          <p:cNvCxnSpPr/>
+          <p:nvPr/>
+        </p:nvCxnSpPr>
+        <p:spPr>
+          <a:xfrm>
+            <a:off x="107504" y="1124744"/>
+            <a:ext cx="8784976" cy="0"/>
+          </a:xfrm>
+          <a:prstGeom prst="line">
+            <a:avLst/>
+          </a:prstGeom>
+        </p:spPr>
+        <p:style>
+          <a:lnRef idx="1">
+            <a:schemeClr val="accent2"/>
+          </a:lnRef>
+          <a:fillRef idx="0">
+            <a:schemeClr val="accent2"/>
+          </a:fillRef>
+          <a:effectRef idx="0">
+            <a:schemeClr val="accent2"/>
+          </a:effectRef>
+          <a:fontRef idx="minor">
+            <a:schemeClr val="tx1"/>
+          </a:fontRef>
+        </p:style>
+      </p:cxnSp>
     </p:spTree>
     <p:extLst>
       <p:ext uri="{BB962C8B-B14F-4D97-AF65-F5344CB8AC3E}">
@@ -21935,6 +22445,36 @@
           </a:p>
         </p:txBody>
       </p:sp>
+      <p:cxnSp>
+        <p:nvCxnSpPr>
+          <p:cNvPr id="4" name="직선 연결선 3"/>
+          <p:cNvCxnSpPr/>
+          <p:nvPr/>
+        </p:nvCxnSpPr>
+        <p:spPr>
+          <a:xfrm>
+            <a:off x="107504" y="1124744"/>
+            <a:ext cx="8784976" cy="0"/>
+          </a:xfrm>
+          <a:prstGeom prst="line">
+            <a:avLst/>
+          </a:prstGeom>
+        </p:spPr>
+        <p:style>
+          <a:lnRef idx="1">
+            <a:schemeClr val="accent2"/>
+          </a:lnRef>
+          <a:fillRef idx="0">
+            <a:schemeClr val="accent2"/>
+          </a:fillRef>
+          <a:effectRef idx="0">
+            <a:schemeClr val="accent2"/>
+          </a:effectRef>
+          <a:fontRef idx="minor">
+            <a:schemeClr val="tx1"/>
+          </a:fontRef>
+        </p:style>
+      </p:cxnSp>
     </p:spTree>
     <p:extLst>
       <p:ext uri="{BB962C8B-B14F-4D97-AF65-F5344CB8AC3E}">
@@ -24420,6 +24960,36 @@
           </a:p>
         </p:txBody>
       </p:sp>
+      <p:cxnSp>
+        <p:nvCxnSpPr>
+          <p:cNvPr id="17" name="직선 연결선 16"/>
+          <p:cNvCxnSpPr/>
+          <p:nvPr/>
+        </p:nvCxnSpPr>
+        <p:spPr>
+          <a:xfrm>
+            <a:off x="107504" y="1124744"/>
+            <a:ext cx="8784976" cy="0"/>
+          </a:xfrm>
+          <a:prstGeom prst="line">
+            <a:avLst/>
+          </a:prstGeom>
+        </p:spPr>
+        <p:style>
+          <a:lnRef idx="1">
+            <a:schemeClr val="accent2"/>
+          </a:lnRef>
+          <a:fillRef idx="0">
+            <a:schemeClr val="accent2"/>
+          </a:fillRef>
+          <a:effectRef idx="0">
+            <a:schemeClr val="accent2"/>
+          </a:effectRef>
+          <a:fontRef idx="minor">
+            <a:schemeClr val="tx1"/>
+          </a:fontRef>
+        </p:style>
+      </p:cxnSp>
     </p:spTree>
     <p:extLst>
       <p:ext uri="{BB962C8B-B14F-4D97-AF65-F5344CB8AC3E}">
@@ -24781,6 +25351,36 @@
           </a:p>
         </p:txBody>
       </p:sp>
+      <p:cxnSp>
+        <p:nvCxnSpPr>
+          <p:cNvPr id="4" name="직선 연결선 3"/>
+          <p:cNvCxnSpPr/>
+          <p:nvPr/>
+        </p:nvCxnSpPr>
+        <p:spPr>
+          <a:xfrm>
+            <a:off x="107504" y="1124744"/>
+            <a:ext cx="8784976" cy="0"/>
+          </a:xfrm>
+          <a:prstGeom prst="line">
+            <a:avLst/>
+          </a:prstGeom>
+        </p:spPr>
+        <p:style>
+          <a:lnRef idx="1">
+            <a:schemeClr val="accent2"/>
+          </a:lnRef>
+          <a:fillRef idx="0">
+            <a:schemeClr val="accent2"/>
+          </a:fillRef>
+          <a:effectRef idx="0">
+            <a:schemeClr val="accent2"/>
+          </a:effectRef>
+          <a:fontRef idx="minor">
+            <a:schemeClr val="tx1"/>
+          </a:fontRef>
+        </p:style>
+      </p:cxnSp>
     </p:spTree>
     <p:extLst>
       <p:ext uri="{BB962C8B-B14F-4D97-AF65-F5344CB8AC3E}">
@@ -28233,6 +28833,36 @@
           </a:p>
         </p:txBody>
       </p:sp>
+      <p:cxnSp>
+        <p:nvCxnSpPr>
+          <p:cNvPr id="35" name="직선 연결선 34"/>
+          <p:cNvCxnSpPr/>
+          <p:nvPr/>
+        </p:nvCxnSpPr>
+        <p:spPr>
+          <a:xfrm>
+            <a:off x="107504" y="1124744"/>
+            <a:ext cx="8784976" cy="0"/>
+          </a:xfrm>
+          <a:prstGeom prst="line">
+            <a:avLst/>
+          </a:prstGeom>
+        </p:spPr>
+        <p:style>
+          <a:lnRef idx="1">
+            <a:schemeClr val="accent2"/>
+          </a:lnRef>
+          <a:fillRef idx="0">
+            <a:schemeClr val="accent2"/>
+          </a:fillRef>
+          <a:effectRef idx="0">
+            <a:schemeClr val="accent2"/>
+          </a:effectRef>
+          <a:fontRef idx="minor">
+            <a:schemeClr val="tx1"/>
+          </a:fontRef>
+        </p:style>
+      </p:cxnSp>
     </p:spTree>
     <p:extLst>
       <p:ext uri="{BB962C8B-B14F-4D97-AF65-F5344CB8AC3E}">
@@ -28530,6 +29160,36 @@
           </a:p>
         </p:txBody>
       </p:sp>
+      <p:cxnSp>
+        <p:nvCxnSpPr>
+          <p:cNvPr id="4" name="직선 연결선 3"/>
+          <p:cNvCxnSpPr/>
+          <p:nvPr/>
+        </p:nvCxnSpPr>
+        <p:spPr>
+          <a:xfrm>
+            <a:off x="107504" y="1124744"/>
+            <a:ext cx="8784976" cy="0"/>
+          </a:xfrm>
+          <a:prstGeom prst="line">
+            <a:avLst/>
+          </a:prstGeom>
+        </p:spPr>
+        <p:style>
+          <a:lnRef idx="1">
+            <a:schemeClr val="accent2"/>
+          </a:lnRef>
+          <a:fillRef idx="0">
+            <a:schemeClr val="accent2"/>
+          </a:fillRef>
+          <a:effectRef idx="0">
+            <a:schemeClr val="accent2"/>
+          </a:effectRef>
+          <a:fontRef idx="minor">
+            <a:schemeClr val="tx1"/>
+          </a:fontRef>
+        </p:style>
+      </p:cxnSp>
     </p:spTree>
     <p:extLst>
       <p:ext uri="{BB962C8B-B14F-4D97-AF65-F5344CB8AC3E}">
@@ -28849,6 +29509,36 @@
           </a:p>
         </p:txBody>
       </p:sp>
+      <p:cxnSp>
+        <p:nvCxnSpPr>
+          <p:cNvPr id="4" name="직선 연결선 3"/>
+          <p:cNvCxnSpPr/>
+          <p:nvPr/>
+        </p:nvCxnSpPr>
+        <p:spPr>
+          <a:xfrm>
+            <a:off x="107504" y="1124744"/>
+            <a:ext cx="8784976" cy="0"/>
+          </a:xfrm>
+          <a:prstGeom prst="line">
+            <a:avLst/>
+          </a:prstGeom>
+        </p:spPr>
+        <p:style>
+          <a:lnRef idx="1">
+            <a:schemeClr val="accent2"/>
+          </a:lnRef>
+          <a:fillRef idx="0">
+            <a:schemeClr val="accent2"/>
+          </a:fillRef>
+          <a:effectRef idx="0">
+            <a:schemeClr val="accent2"/>
+          </a:effectRef>
+          <a:fontRef idx="minor">
+            <a:schemeClr val="tx1"/>
+          </a:fontRef>
+        </p:style>
+      </p:cxnSp>
     </p:spTree>
     <p:extLst>
       <p:ext uri="{BB962C8B-B14F-4D97-AF65-F5344CB8AC3E}">
@@ -28981,6 +29671,36 @@
           </a:extLst>
         </p:spPr>
       </p:pic>
+      <p:cxnSp>
+        <p:nvCxnSpPr>
+          <p:cNvPr id="4" name="직선 연결선 3"/>
+          <p:cNvCxnSpPr/>
+          <p:nvPr/>
+        </p:nvCxnSpPr>
+        <p:spPr>
+          <a:xfrm>
+            <a:off x="107504" y="1124744"/>
+            <a:ext cx="8784976" cy="0"/>
+          </a:xfrm>
+          <a:prstGeom prst="line">
+            <a:avLst/>
+          </a:prstGeom>
+        </p:spPr>
+        <p:style>
+          <a:lnRef idx="1">
+            <a:schemeClr val="accent2"/>
+          </a:lnRef>
+          <a:fillRef idx="0">
+            <a:schemeClr val="accent2"/>
+          </a:fillRef>
+          <a:effectRef idx="0">
+            <a:schemeClr val="accent2"/>
+          </a:effectRef>
+          <a:fontRef idx="minor">
+            <a:schemeClr val="tx1"/>
+          </a:fontRef>
+        </p:style>
+      </p:cxnSp>
     </p:spTree>
     <p:extLst>
       <p:ext uri="{BB962C8B-B14F-4D97-AF65-F5344CB8AC3E}">
@@ -31859,6 +32579,36 @@
           </a:p>
         </p:txBody>
       </p:sp>
+      <p:cxnSp>
+        <p:nvCxnSpPr>
+          <p:cNvPr id="21" name="직선 연결선 20"/>
+          <p:cNvCxnSpPr/>
+          <p:nvPr/>
+        </p:nvCxnSpPr>
+        <p:spPr>
+          <a:xfrm>
+            <a:off x="107504" y="1124744"/>
+            <a:ext cx="8784976" cy="0"/>
+          </a:xfrm>
+          <a:prstGeom prst="line">
+            <a:avLst/>
+          </a:prstGeom>
+        </p:spPr>
+        <p:style>
+          <a:lnRef idx="1">
+            <a:schemeClr val="accent2"/>
+          </a:lnRef>
+          <a:fillRef idx="0">
+            <a:schemeClr val="accent2"/>
+          </a:fillRef>
+          <a:effectRef idx="0">
+            <a:schemeClr val="accent2"/>
+          </a:effectRef>
+          <a:fontRef idx="minor">
+            <a:schemeClr val="tx1"/>
+          </a:fontRef>
+        </p:style>
+      </p:cxnSp>
     </p:spTree>
     <p:extLst>
       <p:ext uri="{BB962C8B-B14F-4D97-AF65-F5344CB8AC3E}">
@@ -34692,6 +35442,36 @@
           </a:extLst>
         </p:spPr>
       </p:pic>
+      <p:cxnSp>
+        <p:nvCxnSpPr>
+          <p:cNvPr id="20" name="직선 연결선 19"/>
+          <p:cNvCxnSpPr/>
+          <p:nvPr/>
+        </p:nvCxnSpPr>
+        <p:spPr>
+          <a:xfrm>
+            <a:off x="107504" y="1124744"/>
+            <a:ext cx="8784976" cy="0"/>
+          </a:xfrm>
+          <a:prstGeom prst="line">
+            <a:avLst/>
+          </a:prstGeom>
+        </p:spPr>
+        <p:style>
+          <a:lnRef idx="1">
+            <a:schemeClr val="accent2"/>
+          </a:lnRef>
+          <a:fillRef idx="0">
+            <a:schemeClr val="accent2"/>
+          </a:fillRef>
+          <a:effectRef idx="0">
+            <a:schemeClr val="accent2"/>
+          </a:effectRef>
+          <a:fontRef idx="minor">
+            <a:schemeClr val="tx1"/>
+          </a:fontRef>
+        </p:style>
+      </p:cxnSp>
     </p:spTree>
     <p:extLst>
       <p:ext uri="{BB962C8B-B14F-4D97-AF65-F5344CB8AC3E}">
@@ -35880,6 +36660,36 @@
           </p:txBody>
         </p:sp>
       </p:grpSp>
+      <p:cxnSp>
+        <p:nvCxnSpPr>
+          <p:cNvPr id="9" name="직선 연결선 8"/>
+          <p:cNvCxnSpPr/>
+          <p:nvPr/>
+        </p:nvCxnSpPr>
+        <p:spPr>
+          <a:xfrm>
+            <a:off x="107504" y="1124744"/>
+            <a:ext cx="8784976" cy="0"/>
+          </a:xfrm>
+          <a:prstGeom prst="line">
+            <a:avLst/>
+          </a:prstGeom>
+        </p:spPr>
+        <p:style>
+          <a:lnRef idx="1">
+            <a:schemeClr val="accent2"/>
+          </a:lnRef>
+          <a:fillRef idx="0">
+            <a:schemeClr val="accent2"/>
+          </a:fillRef>
+          <a:effectRef idx="0">
+            <a:schemeClr val="accent2"/>
+          </a:effectRef>
+          <a:fontRef idx="minor">
+            <a:schemeClr val="tx1"/>
+          </a:fontRef>
+        </p:style>
+      </p:cxnSp>
     </p:spTree>
     <p:extLst>
       <p:ext uri="{BB962C8B-B14F-4D97-AF65-F5344CB8AC3E}">
@@ -36716,6 +37526,36 @@
           </a:p>
         </p:txBody>
       </p:sp>
+      <p:cxnSp>
+        <p:nvCxnSpPr>
+          <p:cNvPr id="4" name="직선 연결선 3"/>
+          <p:cNvCxnSpPr/>
+          <p:nvPr/>
+        </p:nvCxnSpPr>
+        <p:spPr>
+          <a:xfrm>
+            <a:off x="107504" y="1124744"/>
+            <a:ext cx="8784976" cy="0"/>
+          </a:xfrm>
+          <a:prstGeom prst="line">
+            <a:avLst/>
+          </a:prstGeom>
+        </p:spPr>
+        <p:style>
+          <a:lnRef idx="1">
+            <a:schemeClr val="accent2"/>
+          </a:lnRef>
+          <a:fillRef idx="0">
+            <a:schemeClr val="accent2"/>
+          </a:fillRef>
+          <a:effectRef idx="0">
+            <a:schemeClr val="accent2"/>
+          </a:effectRef>
+          <a:fontRef idx="minor">
+            <a:schemeClr val="tx1"/>
+          </a:fontRef>
+        </p:style>
+      </p:cxnSp>
     </p:spTree>
     <p:extLst>
       <p:ext uri="{BB962C8B-B14F-4D97-AF65-F5344CB8AC3E}">
@@ -36846,6 +37686,36 @@
           </a:extLst>
         </p:spPr>
       </p:pic>
+      <p:cxnSp>
+        <p:nvCxnSpPr>
+          <p:cNvPr id="4" name="직선 연결선 3"/>
+          <p:cNvCxnSpPr/>
+          <p:nvPr/>
+        </p:nvCxnSpPr>
+        <p:spPr>
+          <a:xfrm>
+            <a:off x="107504" y="1124744"/>
+            <a:ext cx="8784976" cy="0"/>
+          </a:xfrm>
+          <a:prstGeom prst="line">
+            <a:avLst/>
+          </a:prstGeom>
+        </p:spPr>
+        <p:style>
+          <a:lnRef idx="1">
+            <a:schemeClr val="accent2"/>
+          </a:lnRef>
+          <a:fillRef idx="0">
+            <a:schemeClr val="accent2"/>
+          </a:fillRef>
+          <a:effectRef idx="0">
+            <a:schemeClr val="accent2"/>
+          </a:effectRef>
+          <a:fontRef idx="minor">
+            <a:schemeClr val="tx1"/>
+          </a:fontRef>
+        </p:style>
+      </p:cxnSp>
     </p:spTree>
     <p:extLst>
       <p:ext uri="{BB962C8B-B14F-4D97-AF65-F5344CB8AC3E}">
@@ -37124,6 +37994,36 @@
           </a:p>
         </p:txBody>
       </p:sp>
+      <p:cxnSp>
+        <p:nvCxnSpPr>
+          <p:cNvPr id="4" name="직선 연결선 3"/>
+          <p:cNvCxnSpPr/>
+          <p:nvPr/>
+        </p:nvCxnSpPr>
+        <p:spPr>
+          <a:xfrm>
+            <a:off x="107504" y="1124744"/>
+            <a:ext cx="8784976" cy="0"/>
+          </a:xfrm>
+          <a:prstGeom prst="line">
+            <a:avLst/>
+          </a:prstGeom>
+        </p:spPr>
+        <p:style>
+          <a:lnRef idx="1">
+            <a:schemeClr val="accent2"/>
+          </a:lnRef>
+          <a:fillRef idx="0">
+            <a:schemeClr val="accent2"/>
+          </a:fillRef>
+          <a:effectRef idx="0">
+            <a:schemeClr val="accent2"/>
+          </a:effectRef>
+          <a:fontRef idx="minor">
+            <a:schemeClr val="tx1"/>
+          </a:fontRef>
+        </p:style>
+      </p:cxnSp>
     </p:spTree>
     <p:extLst>
       <p:ext uri="{BB962C8B-B14F-4D97-AF65-F5344CB8AC3E}">
@@ -37254,6 +38154,36 @@
           </a:extLst>
         </p:spPr>
       </p:pic>
+      <p:cxnSp>
+        <p:nvCxnSpPr>
+          <p:cNvPr id="4" name="직선 연결선 3"/>
+          <p:cNvCxnSpPr/>
+          <p:nvPr/>
+        </p:nvCxnSpPr>
+        <p:spPr>
+          <a:xfrm>
+            <a:off x="107504" y="1124744"/>
+            <a:ext cx="8784976" cy="0"/>
+          </a:xfrm>
+          <a:prstGeom prst="line">
+            <a:avLst/>
+          </a:prstGeom>
+        </p:spPr>
+        <p:style>
+          <a:lnRef idx="1">
+            <a:schemeClr val="accent2"/>
+          </a:lnRef>
+          <a:fillRef idx="0">
+            <a:schemeClr val="accent2"/>
+          </a:fillRef>
+          <a:effectRef idx="0">
+            <a:schemeClr val="accent2"/>
+          </a:effectRef>
+          <a:fontRef idx="minor">
+            <a:schemeClr val="tx1"/>
+          </a:fontRef>
+        </p:style>
+      </p:cxnSp>
     </p:spTree>
     <p:extLst>
       <p:ext uri="{BB962C8B-B14F-4D97-AF65-F5344CB8AC3E}">
@@ -37720,6 +38650,36 @@
           </a:p>
         </p:txBody>
       </p:sp>
+      <p:cxnSp>
+        <p:nvCxnSpPr>
+          <p:cNvPr id="4" name="직선 연결선 3"/>
+          <p:cNvCxnSpPr/>
+          <p:nvPr/>
+        </p:nvCxnSpPr>
+        <p:spPr>
+          <a:xfrm>
+            <a:off x="107504" y="1124744"/>
+            <a:ext cx="8784976" cy="0"/>
+          </a:xfrm>
+          <a:prstGeom prst="line">
+            <a:avLst/>
+          </a:prstGeom>
+        </p:spPr>
+        <p:style>
+          <a:lnRef idx="1">
+            <a:schemeClr val="accent2"/>
+          </a:lnRef>
+          <a:fillRef idx="0">
+            <a:schemeClr val="accent2"/>
+          </a:fillRef>
+          <a:effectRef idx="0">
+            <a:schemeClr val="accent2"/>
+          </a:effectRef>
+          <a:fontRef idx="minor">
+            <a:schemeClr val="tx1"/>
+          </a:fontRef>
+        </p:style>
+      </p:cxnSp>
     </p:spTree>
     <p:extLst>
       <p:ext uri="{BB962C8B-B14F-4D97-AF65-F5344CB8AC3E}">
@@ -38035,6 +38995,36 @@
           </a:p>
         </p:txBody>
       </p:sp>
+      <p:cxnSp>
+        <p:nvCxnSpPr>
+          <p:cNvPr id="4" name="직선 연결선 3"/>
+          <p:cNvCxnSpPr/>
+          <p:nvPr/>
+        </p:nvCxnSpPr>
+        <p:spPr>
+          <a:xfrm>
+            <a:off x="107504" y="1124744"/>
+            <a:ext cx="8784976" cy="0"/>
+          </a:xfrm>
+          <a:prstGeom prst="line">
+            <a:avLst/>
+          </a:prstGeom>
+        </p:spPr>
+        <p:style>
+          <a:lnRef idx="1">
+            <a:schemeClr val="accent2"/>
+          </a:lnRef>
+          <a:fillRef idx="0">
+            <a:schemeClr val="accent2"/>
+          </a:fillRef>
+          <a:effectRef idx="0">
+            <a:schemeClr val="accent2"/>
+          </a:effectRef>
+          <a:fontRef idx="minor">
+            <a:schemeClr val="tx1"/>
+          </a:fontRef>
+        </p:style>
+      </p:cxnSp>
     </p:spTree>
     <p:extLst>
       <p:ext uri="{BB962C8B-B14F-4D97-AF65-F5344CB8AC3E}">
@@ -38332,6 +39322,36 @@
           </a:p>
         </p:txBody>
       </p:sp>
+      <p:cxnSp>
+        <p:nvCxnSpPr>
+          <p:cNvPr id="4" name="직선 연결선 3"/>
+          <p:cNvCxnSpPr/>
+          <p:nvPr/>
+        </p:nvCxnSpPr>
+        <p:spPr>
+          <a:xfrm>
+            <a:off x="107504" y="1124744"/>
+            <a:ext cx="8784976" cy="0"/>
+          </a:xfrm>
+          <a:prstGeom prst="line">
+            <a:avLst/>
+          </a:prstGeom>
+        </p:spPr>
+        <p:style>
+          <a:lnRef idx="1">
+            <a:schemeClr val="accent2"/>
+          </a:lnRef>
+          <a:fillRef idx="0">
+            <a:schemeClr val="accent2"/>
+          </a:fillRef>
+          <a:effectRef idx="0">
+            <a:schemeClr val="accent2"/>
+          </a:effectRef>
+          <a:fontRef idx="minor">
+            <a:schemeClr val="tx1"/>
+          </a:fontRef>
+        </p:style>
+      </p:cxnSp>
     </p:spTree>
     <p:extLst>
       <p:ext uri="{BB962C8B-B14F-4D97-AF65-F5344CB8AC3E}">
@@ -39566,6 +40586,36 @@
           </a:p>
         </p:txBody>
       </p:sp>
+      <p:cxnSp>
+        <p:nvCxnSpPr>
+          <p:cNvPr id="7" name="직선 연결선 6"/>
+          <p:cNvCxnSpPr/>
+          <p:nvPr/>
+        </p:nvCxnSpPr>
+        <p:spPr>
+          <a:xfrm>
+            <a:off x="107504" y="1124744"/>
+            <a:ext cx="8784976" cy="0"/>
+          </a:xfrm>
+          <a:prstGeom prst="line">
+            <a:avLst/>
+          </a:prstGeom>
+        </p:spPr>
+        <p:style>
+          <a:lnRef idx="1">
+            <a:schemeClr val="accent2"/>
+          </a:lnRef>
+          <a:fillRef idx="0">
+            <a:schemeClr val="accent2"/>
+          </a:fillRef>
+          <a:effectRef idx="0">
+            <a:schemeClr val="accent2"/>
+          </a:effectRef>
+          <a:fontRef idx="minor">
+            <a:schemeClr val="tx1"/>
+          </a:fontRef>
+        </p:style>
+      </p:cxnSp>
     </p:spTree>
     <p:extLst>
       <p:ext uri="{BB962C8B-B14F-4D97-AF65-F5344CB8AC3E}">
@@ -41156,6 +42206,36 @@
           </a:p>
         </p:txBody>
       </p:sp>
+      <p:cxnSp>
+        <p:nvCxnSpPr>
+          <p:cNvPr id="7" name="직선 연결선 6"/>
+          <p:cNvCxnSpPr/>
+          <p:nvPr/>
+        </p:nvCxnSpPr>
+        <p:spPr>
+          <a:xfrm>
+            <a:off x="107504" y="1124744"/>
+            <a:ext cx="8784976" cy="0"/>
+          </a:xfrm>
+          <a:prstGeom prst="line">
+            <a:avLst/>
+          </a:prstGeom>
+        </p:spPr>
+        <p:style>
+          <a:lnRef idx="1">
+            <a:schemeClr val="accent2"/>
+          </a:lnRef>
+          <a:fillRef idx="0">
+            <a:schemeClr val="accent2"/>
+          </a:fillRef>
+          <a:effectRef idx="0">
+            <a:schemeClr val="accent2"/>
+          </a:effectRef>
+          <a:fontRef idx="minor">
+            <a:schemeClr val="tx1"/>
+          </a:fontRef>
+        </p:style>
+      </p:cxnSp>
     </p:spTree>
     <p:extLst>
       <p:ext uri="{BB962C8B-B14F-4D97-AF65-F5344CB8AC3E}">
@@ -43016,6 +44096,36 @@
           </a:extLst>
         </p:spPr>
       </p:pic>
+      <p:cxnSp>
+        <p:nvCxnSpPr>
+          <p:cNvPr id="5" name="직선 연결선 4"/>
+          <p:cNvCxnSpPr/>
+          <p:nvPr/>
+        </p:nvCxnSpPr>
+        <p:spPr>
+          <a:xfrm>
+            <a:off x="107504" y="1124744"/>
+            <a:ext cx="8784976" cy="0"/>
+          </a:xfrm>
+          <a:prstGeom prst="line">
+            <a:avLst/>
+          </a:prstGeom>
+        </p:spPr>
+        <p:style>
+          <a:lnRef idx="1">
+            <a:schemeClr val="accent2"/>
+          </a:lnRef>
+          <a:fillRef idx="0">
+            <a:schemeClr val="accent2"/>
+          </a:fillRef>
+          <a:effectRef idx="0">
+            <a:schemeClr val="accent2"/>
+          </a:effectRef>
+          <a:fontRef idx="minor">
+            <a:schemeClr val="tx1"/>
+          </a:fontRef>
+        </p:style>
+      </p:cxnSp>
     </p:spTree>
     <p:extLst>
       <p:ext uri="{BB962C8B-B14F-4D97-AF65-F5344CB8AC3E}">
@@ -43452,6 +44562,36 @@
           </a:extLst>
         </p:spPr>
       </p:pic>
+      <p:cxnSp>
+        <p:nvCxnSpPr>
+          <p:cNvPr id="5" name="직선 연결선 4"/>
+          <p:cNvCxnSpPr/>
+          <p:nvPr/>
+        </p:nvCxnSpPr>
+        <p:spPr>
+          <a:xfrm>
+            <a:off x="107504" y="1124744"/>
+            <a:ext cx="8784976" cy="0"/>
+          </a:xfrm>
+          <a:prstGeom prst="line">
+            <a:avLst/>
+          </a:prstGeom>
+        </p:spPr>
+        <p:style>
+          <a:lnRef idx="1">
+            <a:schemeClr val="accent2"/>
+          </a:lnRef>
+          <a:fillRef idx="0">
+            <a:schemeClr val="accent2"/>
+          </a:fillRef>
+          <a:effectRef idx="0">
+            <a:schemeClr val="accent2"/>
+          </a:effectRef>
+          <a:fontRef idx="minor">
+            <a:schemeClr val="tx1"/>
+          </a:fontRef>
+        </p:style>
+      </p:cxnSp>
     </p:spTree>
     <p:extLst>
       <p:ext uri="{BB962C8B-B14F-4D97-AF65-F5344CB8AC3E}">
@@ -43761,6 +44901,36 @@
           </a:extLst>
         </p:spPr>
       </p:pic>
+      <p:cxnSp>
+        <p:nvCxnSpPr>
+          <p:cNvPr id="5" name="직선 연결선 4"/>
+          <p:cNvCxnSpPr/>
+          <p:nvPr/>
+        </p:nvCxnSpPr>
+        <p:spPr>
+          <a:xfrm>
+            <a:off x="107504" y="1124744"/>
+            <a:ext cx="8784976" cy="0"/>
+          </a:xfrm>
+          <a:prstGeom prst="line">
+            <a:avLst/>
+          </a:prstGeom>
+        </p:spPr>
+        <p:style>
+          <a:lnRef idx="1">
+            <a:schemeClr val="accent2"/>
+          </a:lnRef>
+          <a:fillRef idx="0">
+            <a:schemeClr val="accent2"/>
+          </a:fillRef>
+          <a:effectRef idx="0">
+            <a:schemeClr val="accent2"/>
+          </a:effectRef>
+          <a:fontRef idx="minor">
+            <a:schemeClr val="tx1"/>
+          </a:fontRef>
+        </p:style>
+      </p:cxnSp>
     </p:spTree>
     <p:extLst>
       <p:ext uri="{BB962C8B-B14F-4D97-AF65-F5344CB8AC3E}">
@@ -43947,6 +45117,36 @@
           </a:p>
         </p:txBody>
       </p:sp>
+      <p:cxnSp>
+        <p:nvCxnSpPr>
+          <p:cNvPr id="5" name="직선 연결선 4"/>
+          <p:cNvCxnSpPr/>
+          <p:nvPr/>
+        </p:nvCxnSpPr>
+        <p:spPr>
+          <a:xfrm>
+            <a:off x="107504" y="1124744"/>
+            <a:ext cx="8784976" cy="0"/>
+          </a:xfrm>
+          <a:prstGeom prst="line">
+            <a:avLst/>
+          </a:prstGeom>
+        </p:spPr>
+        <p:style>
+          <a:lnRef idx="1">
+            <a:schemeClr val="accent2"/>
+          </a:lnRef>
+          <a:fillRef idx="0">
+            <a:schemeClr val="accent2"/>
+          </a:fillRef>
+          <a:effectRef idx="0">
+            <a:schemeClr val="accent2"/>
+          </a:effectRef>
+          <a:fontRef idx="minor">
+            <a:schemeClr val="tx1"/>
+          </a:fontRef>
+        </p:style>
+      </p:cxnSp>
     </p:spTree>
     <p:extLst>
       <p:ext uri="{BB962C8B-B14F-4D97-AF65-F5344CB8AC3E}">
@@ -45020,6 +46220,36 @@
           </a:p>
         </p:txBody>
       </p:sp>
+      <p:cxnSp>
+        <p:nvCxnSpPr>
+          <p:cNvPr id="7" name="직선 연결선 6"/>
+          <p:cNvCxnSpPr/>
+          <p:nvPr/>
+        </p:nvCxnSpPr>
+        <p:spPr>
+          <a:xfrm>
+            <a:off x="107504" y="1124744"/>
+            <a:ext cx="8784976" cy="0"/>
+          </a:xfrm>
+          <a:prstGeom prst="line">
+            <a:avLst/>
+          </a:prstGeom>
+        </p:spPr>
+        <p:style>
+          <a:lnRef idx="1">
+            <a:schemeClr val="accent2"/>
+          </a:lnRef>
+          <a:fillRef idx="0">
+            <a:schemeClr val="accent2"/>
+          </a:fillRef>
+          <a:effectRef idx="0">
+            <a:schemeClr val="accent2"/>
+          </a:effectRef>
+          <a:fontRef idx="minor">
+            <a:schemeClr val="tx1"/>
+          </a:fontRef>
+        </p:style>
+      </p:cxnSp>
     </p:spTree>
     <p:extLst>
       <p:ext uri="{BB962C8B-B14F-4D97-AF65-F5344CB8AC3E}">
@@ -46125,6 +47355,36 @@
           </a:p>
         </p:txBody>
       </p:sp>
+      <p:cxnSp>
+        <p:nvCxnSpPr>
+          <p:cNvPr id="5" name="직선 연결선 4"/>
+          <p:cNvCxnSpPr/>
+          <p:nvPr/>
+        </p:nvCxnSpPr>
+        <p:spPr>
+          <a:xfrm>
+            <a:off x="107504" y="1124744"/>
+            <a:ext cx="8784976" cy="0"/>
+          </a:xfrm>
+          <a:prstGeom prst="line">
+            <a:avLst/>
+          </a:prstGeom>
+        </p:spPr>
+        <p:style>
+          <a:lnRef idx="1">
+            <a:schemeClr val="accent2"/>
+          </a:lnRef>
+          <a:fillRef idx="0">
+            <a:schemeClr val="accent2"/>
+          </a:fillRef>
+          <a:effectRef idx="0">
+            <a:schemeClr val="accent2"/>
+          </a:effectRef>
+          <a:fontRef idx="minor">
+            <a:schemeClr val="tx1"/>
+          </a:fontRef>
+        </p:style>
+      </p:cxnSp>
     </p:spTree>
     <p:extLst>
       <p:ext uri="{BB962C8B-B14F-4D97-AF65-F5344CB8AC3E}">
